--- a/Postavki (1).pptx
+++ b/Postavki (1).pptx
@@ -5,7 +5,7 @@
     <p:sldMasterId id="2147483648" r:id="rId1"/>
   </p:sldMasterIdLst>
   <p:notesMasterIdLst>
-    <p:notesMasterId r:id="rId12"/>
+    <p:notesMasterId r:id="rId15"/>
   </p:notesMasterIdLst>
   <p:sldIdLst>
     <p:sldId id="256" r:id="rId2"/>
@@ -15,9 +15,12 @@
     <p:sldId id="264" r:id="rId6"/>
     <p:sldId id="262" r:id="rId7"/>
     <p:sldId id="265" r:id="rId8"/>
-    <p:sldId id="266" r:id="rId9"/>
-    <p:sldId id="267" r:id="rId10"/>
-    <p:sldId id="263" r:id="rId11"/>
+    <p:sldId id="270" r:id="rId9"/>
+    <p:sldId id="269" r:id="rId10"/>
+    <p:sldId id="266" r:id="rId11"/>
+    <p:sldId id="267" r:id="rId12"/>
+    <p:sldId id="268" r:id="rId13"/>
+    <p:sldId id="263" r:id="rId14"/>
   </p:sldIdLst>
   <p:sldSz cx="12192000" cy="6858000"/>
   <p:notesSz cx="6858000" cy="9144000"/>
@@ -5090,13 +5093,7 @@
       </p:grpSpPr>
       <p:sp>
         <p:nvSpPr>
-          <p:cNvPr id="2" name="Заголовок 1">
-            <a:extLst>
-              <a:ext uri="{FF2B5EF4-FFF2-40B4-BE49-F238E27FC236}">
-                <a16:creationId xmlns:a16="http://schemas.microsoft.com/office/drawing/2014/main" id="{7ECF2D89-AF2C-49BF-B136-2B370ED5054C}"/>
-              </a:ext>
-            </a:extLst>
-          </p:cNvPr>
+          <p:cNvPr id="2" name="Заголовок 1"/>
           <p:cNvSpPr>
             <a:spLocks noGrp="1"/>
           </p:cNvSpPr>
@@ -5104,6 +5101,1261 @@
             <p:ph type="title"/>
           </p:nvPr>
         </p:nvSpPr>
+        <p:spPr/>
+        <p:txBody>
+          <a:bodyPr/>
+          <a:lstStyle/>
+          <a:p>
+            <a:r>
+              <a:rPr lang="ru-RU" dirty="0" smtClean="0">
+                <a:solidFill>
+                  <a:schemeClr val="tx2">
+                    <a:lumMod val="60000"/>
+                    <a:lumOff val="40000"/>
+                  </a:schemeClr>
+                </a:solidFill>
+                <a:latin typeface="+mn-lt"/>
+              </a:rPr>
+              <a:t>Затраченные ресурсы</a:t>
+            </a:r>
+            <a:endParaRPr lang="ru-RU" dirty="0">
+              <a:solidFill>
+                <a:schemeClr val="tx2">
+                  <a:lumMod val="60000"/>
+                  <a:lumOff val="40000"/>
+                </a:schemeClr>
+              </a:solidFill>
+              <a:latin typeface="+mn-lt"/>
+            </a:endParaRPr>
+          </a:p>
+        </p:txBody>
+      </p:sp>
+      <p:sp>
+        <p:nvSpPr>
+          <p:cNvPr id="3" name="Объект 2"/>
+          <p:cNvSpPr>
+            <a:spLocks noGrp="1"/>
+          </p:cNvSpPr>
+          <p:nvPr>
+            <p:ph idx="1"/>
+          </p:nvPr>
+        </p:nvSpPr>
+        <p:spPr/>
+        <p:txBody>
+          <a:bodyPr>
+            <a:normAutofit/>
+          </a:bodyPr>
+          <a:lstStyle/>
+          <a:p>
+            <a:r>
+              <a:rPr lang="ru-RU" dirty="0" smtClean="0"/>
+              <a:t>Для достижения поставленной цели и решения проблемы были затрачены усилия и время нашей команды.  </a:t>
+            </a:r>
+            <a:endParaRPr lang="ru-RU" dirty="0"/>
+          </a:p>
+        </p:txBody>
+      </p:sp>
+      <p:pic>
+        <p:nvPicPr>
+          <p:cNvPr id="4" name="Рисунок 3">
+            <a:extLst>
+              <a:ext uri="{FF2B5EF4-FFF2-40B4-BE49-F238E27FC236}">
+                <a16:creationId xmlns:a16="http://schemas.microsoft.com/office/drawing/2014/main" id="{6B3FEB3A-A114-B744-B67C-8AA2092DF75B}"/>
+              </a:ext>
+            </a:extLst>
+          </p:cNvPr>
+          <p:cNvPicPr>
+            <a:picLocks noChangeAspect="1"/>
+          </p:cNvPicPr>
+          <p:nvPr/>
+        </p:nvPicPr>
+        <p:blipFill>
+          <a:blip r:embed="rId2">
+            <a:extLst>
+              <a:ext uri="{28A0092B-C50C-407E-A947-70E740481C1C}">
+                <a14:useLocalDpi xmlns:a14="http://schemas.microsoft.com/office/drawing/2010/main" val="0"/>
+              </a:ext>
+            </a:extLst>
+          </a:blip>
+          <a:stretch>
+            <a:fillRect/>
+          </a:stretch>
+        </p:blipFill>
+        <p:spPr>
+          <a:xfrm>
+            <a:off x="231285" y="6362677"/>
+            <a:ext cx="1893079" cy="446879"/>
+          </a:xfrm>
+          <a:prstGeom prst="rect">
+            <a:avLst/>
+          </a:prstGeom>
+        </p:spPr>
+      </p:pic>
+      <p:pic>
+        <p:nvPicPr>
+          <p:cNvPr id="5" name="Объект 14">
+            <a:extLst>
+              <a:ext uri="{FF2B5EF4-FFF2-40B4-BE49-F238E27FC236}">
+                <a16:creationId xmlns:a16="http://schemas.microsoft.com/office/drawing/2014/main" id="{6A0F9757-E10D-2C49-9AA9-A77ADC4227AF}"/>
+              </a:ext>
+            </a:extLst>
+          </p:cNvPr>
+          <p:cNvPicPr>
+            <a:picLocks noChangeAspect="1"/>
+          </p:cNvPicPr>
+          <p:nvPr/>
+        </p:nvPicPr>
+        <p:blipFill>
+          <a:blip r:embed="rId3">
+            <a:extLst>
+              <a:ext uri="{28A0092B-C50C-407E-A947-70E740481C1C}">
+                <a14:useLocalDpi xmlns:a14="http://schemas.microsoft.com/office/drawing/2010/main" val="0"/>
+              </a:ext>
+            </a:extLst>
+          </a:blip>
+          <a:stretch>
+            <a:fillRect/>
+          </a:stretch>
+        </p:blipFill>
+        <p:spPr>
+          <a:xfrm>
+            <a:off x="2342176" y="6338773"/>
+            <a:ext cx="685696" cy="519227"/>
+          </a:xfrm>
+          <a:prstGeom prst="rect">
+            <a:avLst/>
+          </a:prstGeom>
+        </p:spPr>
+      </p:pic>
+      <p:pic>
+        <p:nvPicPr>
+          <p:cNvPr id="6" name="Рисунок 5">
+            <a:extLst>
+              <a:ext uri="{FF2B5EF4-FFF2-40B4-BE49-F238E27FC236}">
+                <a16:creationId xmlns:a16="http://schemas.microsoft.com/office/drawing/2014/main" id="{20D05A7F-6CC6-714D-BDB8-201A146F7E78}"/>
+              </a:ext>
+            </a:extLst>
+          </p:cNvPr>
+          <p:cNvPicPr>
+            <a:picLocks noChangeAspect="1"/>
+          </p:cNvPicPr>
+          <p:nvPr/>
+        </p:nvPicPr>
+        <p:blipFill>
+          <a:blip r:embed="rId4"/>
+          <a:stretch>
+            <a:fillRect/>
+          </a:stretch>
+        </p:blipFill>
+        <p:spPr>
+          <a:xfrm>
+            <a:off x="3245684" y="6327643"/>
+            <a:ext cx="431278" cy="498929"/>
+          </a:xfrm>
+          <a:prstGeom prst="rect">
+            <a:avLst/>
+          </a:prstGeom>
+        </p:spPr>
+      </p:pic>
+      <p:sp>
+        <p:nvSpPr>
+          <p:cNvPr id="8" name="TextBox 7">
+            <a:extLst>
+              <a:ext uri="{FF2B5EF4-FFF2-40B4-BE49-F238E27FC236}">
+                <a16:creationId xmlns:a16="http://schemas.microsoft.com/office/drawing/2014/main" id="{CC860AE4-4527-4584-AB2E-D45C93D8C00A}"/>
+              </a:ext>
+            </a:extLst>
+          </p:cNvPr>
+          <p:cNvSpPr txBox="1"/>
+          <p:nvPr/>
+        </p:nvSpPr>
+        <p:spPr>
+          <a:xfrm>
+            <a:off x="4132184" y="6327098"/>
+            <a:ext cx="2719553" cy="400110"/>
+          </a:xfrm>
+          <a:prstGeom prst="rect">
+            <a:avLst/>
+          </a:prstGeom>
+          <a:noFill/>
+        </p:spPr>
+        <p:txBody>
+          <a:bodyPr wrap="square" rtlCol="0">
+            <a:spAutoFit/>
+          </a:bodyPr>
+          <a:lstStyle/>
+          <a:p>
+            <a:r>
+              <a:rPr lang="ru-RU" sz="1000" dirty="0">
+                <a:solidFill>
+                  <a:schemeClr val="bg1"/>
+                </a:solidFill>
+              </a:rPr>
+              <a:t>Имитационная модель поставок товаров для интернет-магазина </a:t>
+            </a:r>
+            <a:r>
+              <a:rPr lang="en-US" sz="1000" dirty="0">
+                <a:solidFill>
+                  <a:schemeClr val="bg1"/>
+                </a:solidFill>
+              </a:rPr>
+              <a:t>DYZ STORE</a:t>
+            </a:r>
+            <a:endParaRPr lang="ru-RU" sz="1000" dirty="0">
+              <a:solidFill>
+                <a:schemeClr val="bg1"/>
+              </a:solidFill>
+            </a:endParaRPr>
+          </a:p>
+        </p:txBody>
+      </p:sp>
+      <p:sp>
+        <p:nvSpPr>
+          <p:cNvPr id="9" name="TextBox 8">
+            <a:extLst>
+              <a:ext uri="{FF2B5EF4-FFF2-40B4-BE49-F238E27FC236}">
+                <a16:creationId xmlns:a16="http://schemas.microsoft.com/office/drawing/2014/main" id="{037D66A3-19BD-B441-A557-F0C1B46CC1AA}"/>
+              </a:ext>
+            </a:extLst>
+          </p:cNvPr>
+          <p:cNvSpPr txBox="1"/>
+          <p:nvPr/>
+        </p:nvSpPr>
+        <p:spPr>
+          <a:xfrm>
+            <a:off x="8691830" y="6394311"/>
+            <a:ext cx="2881516" cy="553998"/>
+          </a:xfrm>
+          <a:prstGeom prst="rect">
+            <a:avLst/>
+          </a:prstGeom>
+          <a:noFill/>
+        </p:spPr>
+        <p:txBody>
+          <a:bodyPr wrap="square" rtlCol="0">
+            <a:spAutoFit/>
+          </a:bodyPr>
+          <a:lstStyle/>
+          <a:p>
+            <a:r>
+              <a:rPr lang="ru-RU" sz="1000" dirty="0">
+                <a:solidFill>
+                  <a:schemeClr val="bg1"/>
+                </a:solidFill>
+                <a:latin typeface="Montserrat" pitchFamily="2" charset="0"/>
+              </a:rPr>
+              <a:t>Студенты: Кочергин А., Купаев К., Парасковей В., Зиненко И. УЭЦ-111</a:t>
+            </a:r>
+          </a:p>
+          <a:p>
+            <a:endParaRPr lang="ru-RU" sz="1000" dirty="0">
+              <a:solidFill>
+                <a:schemeClr val="bg1"/>
+              </a:solidFill>
+              <a:latin typeface="Montserrat" pitchFamily="2" charset="0"/>
+            </a:endParaRPr>
+          </a:p>
+        </p:txBody>
+      </p:sp>
+      <p:sp>
+        <p:nvSpPr>
+          <p:cNvPr id="10" name="TextBox 9">
+            <a:extLst>
+              <a:ext uri="{FF2B5EF4-FFF2-40B4-BE49-F238E27FC236}">
+                <a16:creationId xmlns:a16="http://schemas.microsoft.com/office/drawing/2014/main" id="{F641DCA7-359A-BD45-A1E7-D6E4494469EF}"/>
+              </a:ext>
+            </a:extLst>
+          </p:cNvPr>
+          <p:cNvSpPr txBox="1"/>
+          <p:nvPr/>
+        </p:nvSpPr>
+        <p:spPr>
+          <a:xfrm>
+            <a:off x="11573346" y="6380852"/>
+            <a:ext cx="465729" cy="400110"/>
+          </a:xfrm>
+          <a:prstGeom prst="rect">
+            <a:avLst/>
+          </a:prstGeom>
+          <a:noFill/>
+        </p:spPr>
+        <p:txBody>
+          <a:bodyPr wrap="square" rtlCol="0">
+            <a:spAutoFit/>
+          </a:bodyPr>
+          <a:lstStyle/>
+          <a:p>
+            <a:r>
+              <a:rPr lang="ru-RU" sz="2000" dirty="0" smtClean="0">
+                <a:solidFill>
+                  <a:schemeClr val="bg1"/>
+                </a:solidFill>
+                <a:latin typeface="Montserrat" pitchFamily="2" charset="0"/>
+              </a:rPr>
+              <a:t>10</a:t>
+            </a:r>
+            <a:endParaRPr lang="ru-RU" sz="2000" dirty="0">
+              <a:solidFill>
+                <a:schemeClr val="bg1"/>
+              </a:solidFill>
+              <a:latin typeface="Montserrat" pitchFamily="2" charset="0"/>
+            </a:endParaRPr>
+          </a:p>
+        </p:txBody>
+      </p:sp>
+      <p:pic>
+        <p:nvPicPr>
+          <p:cNvPr id="4098" name="Picture 2" descr="https://mtdata.ru/u16/photo8EDF/20457945626-0/original.jpg"/>
+          <p:cNvPicPr>
+            <a:picLocks noChangeAspect="1" noChangeArrowheads="1"/>
+          </p:cNvPicPr>
+          <p:nvPr/>
+        </p:nvPicPr>
+        <p:blipFill>
+          <a:blip r:embed="rId5">
+            <a:extLst>
+              <a:ext uri="{28A0092B-C50C-407E-A947-70E740481C1C}">
+                <a14:useLocalDpi xmlns:a14="http://schemas.microsoft.com/office/drawing/2010/main" val="0"/>
+              </a:ext>
+            </a:extLst>
+          </a:blip>
+          <a:srcRect/>
+          <a:stretch>
+            <a:fillRect/>
+          </a:stretch>
+        </p:blipFill>
+        <p:spPr bwMode="auto">
+          <a:xfrm>
+            <a:off x="1344295" y="2769022"/>
+            <a:ext cx="4457065" cy="2971377"/>
+          </a:xfrm>
+          <a:prstGeom prst="rect">
+            <a:avLst/>
+          </a:prstGeom>
+          <a:noFill/>
+          <a:extLst>
+            <a:ext uri="{909E8E84-426E-40DD-AFC4-6F175D3DCCD1}">
+              <a14:hiddenFill xmlns:a14="http://schemas.microsoft.com/office/drawing/2010/main">
+                <a:solidFill>
+                  <a:srgbClr val="FFFFFF"/>
+                </a:solidFill>
+              </a14:hiddenFill>
+            </a:ext>
+          </a:extLst>
+        </p:spPr>
+      </p:pic>
+      <p:sp>
+        <p:nvSpPr>
+          <p:cNvPr id="11" name="AutoShape 4" descr="https://guide-investor.com/wp-content/uploads/2016/08/resultat.jpg"/>
+          <p:cNvSpPr>
+            <a:spLocks noChangeAspect="1" noChangeArrowheads="1"/>
+          </p:cNvSpPr>
+          <p:nvPr/>
+        </p:nvSpPr>
+        <p:spPr bwMode="auto">
+          <a:xfrm>
+            <a:off x="155575" y="-144463"/>
+            <a:ext cx="304800" cy="304801"/>
+          </a:xfrm>
+          <a:prstGeom prst="rect">
+            <a:avLst/>
+          </a:prstGeom>
+          <a:noFill/>
+          <a:extLst>
+            <a:ext uri="{909E8E84-426E-40DD-AFC4-6F175D3DCCD1}">
+              <a14:hiddenFill xmlns:a14="http://schemas.microsoft.com/office/drawing/2010/main">
+                <a:solidFill>
+                  <a:srgbClr val="FFFFFF"/>
+                </a:solidFill>
+              </a14:hiddenFill>
+            </a:ext>
+          </a:extLst>
+        </p:spPr>
+        <p:txBody>
+          <a:bodyPr vert="horz" wrap="square" lIns="91440" tIns="45720" rIns="91440" bIns="45720" numCol="1" anchor="t" anchorCtr="0" compatLnSpc="1">
+            <a:prstTxWarp prst="textNoShape">
+              <a:avLst/>
+            </a:prstTxWarp>
+          </a:bodyPr>
+          <a:lstStyle/>
+          <a:p>
+            <a:endParaRPr lang="ru-RU"/>
+          </a:p>
+        </p:txBody>
+      </p:sp>
+      <p:sp>
+        <p:nvSpPr>
+          <p:cNvPr id="12" name="AutoShape 6" descr="https://guide-investor.com/wp-content/uploads/2016/08/resultat.jpg"/>
+          <p:cNvSpPr>
+            <a:spLocks noChangeAspect="1" noChangeArrowheads="1"/>
+          </p:cNvSpPr>
+          <p:nvPr/>
+        </p:nvSpPr>
+        <p:spPr bwMode="auto">
+          <a:xfrm>
+            <a:off x="307975" y="7937"/>
+            <a:ext cx="304800" cy="304801"/>
+          </a:xfrm>
+          <a:prstGeom prst="rect">
+            <a:avLst/>
+          </a:prstGeom>
+          <a:noFill/>
+          <a:extLst>
+            <a:ext uri="{909E8E84-426E-40DD-AFC4-6F175D3DCCD1}">
+              <a14:hiddenFill xmlns:a14="http://schemas.microsoft.com/office/drawing/2010/main">
+                <a:solidFill>
+                  <a:srgbClr val="FFFFFF"/>
+                </a:solidFill>
+              </a14:hiddenFill>
+            </a:ext>
+          </a:extLst>
+        </p:spPr>
+        <p:txBody>
+          <a:bodyPr vert="horz" wrap="square" lIns="91440" tIns="45720" rIns="91440" bIns="45720" numCol="1" anchor="t" anchorCtr="0" compatLnSpc="1">
+            <a:prstTxWarp prst="textNoShape">
+              <a:avLst/>
+            </a:prstTxWarp>
+          </a:bodyPr>
+          <a:lstStyle/>
+          <a:p>
+            <a:endParaRPr lang="ru-RU"/>
+          </a:p>
+        </p:txBody>
+      </p:sp>
+      <p:pic>
+        <p:nvPicPr>
+          <p:cNvPr id="13" name="Рисунок 12"/>
+          <p:cNvPicPr>
+            <a:picLocks noChangeAspect="1"/>
+          </p:cNvPicPr>
+          <p:nvPr/>
+        </p:nvPicPr>
+        <p:blipFill>
+          <a:blip r:embed="rId6">
+            <a:extLst>
+              <a:ext uri="{28A0092B-C50C-407E-A947-70E740481C1C}">
+                <a14:useLocalDpi xmlns:a14="http://schemas.microsoft.com/office/drawing/2010/main" val="0"/>
+              </a:ext>
+            </a:extLst>
+          </a:blip>
+          <a:stretch>
+            <a:fillRect/>
+          </a:stretch>
+        </p:blipFill>
+        <p:spPr>
+          <a:xfrm>
+            <a:off x="6766559" y="2667421"/>
+            <a:ext cx="3021417" cy="3021417"/>
+          </a:xfrm>
+          <a:prstGeom prst="rect">
+            <a:avLst/>
+          </a:prstGeom>
+        </p:spPr>
+      </p:pic>
+    </p:spTree>
+    <p:extLst>
+      <p:ext uri="{BB962C8B-B14F-4D97-AF65-F5344CB8AC3E}">
+        <p14:creationId xmlns:p14="http://schemas.microsoft.com/office/powerpoint/2010/main" val="1067399520"/>
+      </p:ext>
+    </p:extLst>
+  </p:cSld>
+  <p:clrMapOvr>
+    <a:masterClrMapping/>
+  </p:clrMapOvr>
+</p:sld>
+</file>
+
+<file path=ppt/slides/slide11.xml><?xml version="1.0" encoding="utf-8"?>
+<p:sld xmlns:a="http://schemas.openxmlformats.org/drawingml/2006/main" xmlns:r="http://schemas.openxmlformats.org/officeDocument/2006/relationships" xmlns:p="http://schemas.openxmlformats.org/presentationml/2006/main">
+  <p:cSld>
+    <p:spTree>
+      <p:nvGrpSpPr>
+        <p:cNvPr id="1" name=""/>
+        <p:cNvGrpSpPr/>
+        <p:nvPr/>
+      </p:nvGrpSpPr>
+      <p:grpSpPr>
+        <a:xfrm>
+          <a:off x="0" y="0"/>
+          <a:ext cx="0" cy="0"/>
+          <a:chOff x="0" y="0"/>
+          <a:chExt cx="0" cy="0"/>
+        </a:xfrm>
+      </p:grpSpPr>
+      <p:sp>
+        <p:nvSpPr>
+          <p:cNvPr id="2" name="Заголовок 1"/>
+          <p:cNvSpPr>
+            <a:spLocks noGrp="1"/>
+          </p:cNvSpPr>
+          <p:nvPr>
+            <p:ph type="title"/>
+          </p:nvPr>
+        </p:nvSpPr>
+        <p:spPr/>
+        <p:txBody>
+          <a:bodyPr/>
+          <a:lstStyle/>
+          <a:p>
+            <a:r>
+              <a:rPr lang="ru-RU" dirty="0" smtClean="0">
+                <a:solidFill>
+                  <a:schemeClr val="tx2">
+                    <a:lumMod val="60000"/>
+                    <a:lumOff val="40000"/>
+                  </a:schemeClr>
+                </a:solidFill>
+                <a:latin typeface="+mn-lt"/>
+              </a:rPr>
+              <a:t>Сроки выполнения</a:t>
+            </a:r>
+            <a:endParaRPr lang="ru-RU" dirty="0">
+              <a:solidFill>
+                <a:schemeClr val="tx2">
+                  <a:lumMod val="60000"/>
+                  <a:lumOff val="40000"/>
+                </a:schemeClr>
+              </a:solidFill>
+              <a:latin typeface="+mn-lt"/>
+            </a:endParaRPr>
+          </a:p>
+        </p:txBody>
+      </p:sp>
+      <p:sp>
+        <p:nvSpPr>
+          <p:cNvPr id="3" name="Объект 2"/>
+          <p:cNvSpPr>
+            <a:spLocks noGrp="1"/>
+          </p:cNvSpPr>
+          <p:nvPr>
+            <p:ph idx="1"/>
+          </p:nvPr>
+        </p:nvSpPr>
+        <p:spPr/>
+        <p:txBody>
+          <a:bodyPr/>
+          <a:lstStyle/>
+          <a:p>
+            <a:r>
+              <a:rPr lang="ru-RU" dirty="0" smtClean="0"/>
+              <a:t>Поставленные задачи реализовались с 01.09.2022 по 20.12.2022</a:t>
+            </a:r>
+            <a:endParaRPr lang="ru-RU" dirty="0"/>
+          </a:p>
+        </p:txBody>
+      </p:sp>
+      <p:pic>
+        <p:nvPicPr>
+          <p:cNvPr id="4" name="Рисунок 3">
+            <a:extLst>
+              <a:ext uri="{FF2B5EF4-FFF2-40B4-BE49-F238E27FC236}">
+                <a16:creationId xmlns:a16="http://schemas.microsoft.com/office/drawing/2014/main" id="{6B3FEB3A-A114-B744-B67C-8AA2092DF75B}"/>
+              </a:ext>
+            </a:extLst>
+          </p:cNvPr>
+          <p:cNvPicPr>
+            <a:picLocks noChangeAspect="1"/>
+          </p:cNvPicPr>
+          <p:nvPr/>
+        </p:nvPicPr>
+        <p:blipFill>
+          <a:blip r:embed="rId2">
+            <a:extLst>
+              <a:ext uri="{28A0092B-C50C-407E-A947-70E740481C1C}">
+                <a14:useLocalDpi xmlns:a14="http://schemas.microsoft.com/office/drawing/2010/main" val="0"/>
+              </a:ext>
+            </a:extLst>
+          </a:blip>
+          <a:stretch>
+            <a:fillRect/>
+          </a:stretch>
+        </p:blipFill>
+        <p:spPr>
+          <a:xfrm>
+            <a:off x="231285" y="6362677"/>
+            <a:ext cx="1893079" cy="446879"/>
+          </a:xfrm>
+          <a:prstGeom prst="rect">
+            <a:avLst/>
+          </a:prstGeom>
+        </p:spPr>
+      </p:pic>
+      <p:pic>
+        <p:nvPicPr>
+          <p:cNvPr id="5" name="Объект 14">
+            <a:extLst>
+              <a:ext uri="{FF2B5EF4-FFF2-40B4-BE49-F238E27FC236}">
+                <a16:creationId xmlns:a16="http://schemas.microsoft.com/office/drawing/2014/main" id="{6A0F9757-E10D-2C49-9AA9-A77ADC4227AF}"/>
+              </a:ext>
+            </a:extLst>
+          </p:cNvPr>
+          <p:cNvPicPr>
+            <a:picLocks noChangeAspect="1"/>
+          </p:cNvPicPr>
+          <p:nvPr/>
+        </p:nvPicPr>
+        <p:blipFill>
+          <a:blip r:embed="rId3">
+            <a:extLst>
+              <a:ext uri="{28A0092B-C50C-407E-A947-70E740481C1C}">
+                <a14:useLocalDpi xmlns:a14="http://schemas.microsoft.com/office/drawing/2010/main" val="0"/>
+              </a:ext>
+            </a:extLst>
+          </a:blip>
+          <a:stretch>
+            <a:fillRect/>
+          </a:stretch>
+        </p:blipFill>
+        <p:spPr>
+          <a:xfrm>
+            <a:off x="2342176" y="6338773"/>
+            <a:ext cx="685696" cy="519227"/>
+          </a:xfrm>
+          <a:prstGeom prst="rect">
+            <a:avLst/>
+          </a:prstGeom>
+        </p:spPr>
+      </p:pic>
+      <p:pic>
+        <p:nvPicPr>
+          <p:cNvPr id="6" name="Рисунок 5">
+            <a:extLst>
+              <a:ext uri="{FF2B5EF4-FFF2-40B4-BE49-F238E27FC236}">
+                <a16:creationId xmlns:a16="http://schemas.microsoft.com/office/drawing/2014/main" id="{20D05A7F-6CC6-714D-BDB8-201A146F7E78}"/>
+              </a:ext>
+            </a:extLst>
+          </p:cNvPr>
+          <p:cNvPicPr>
+            <a:picLocks noChangeAspect="1"/>
+          </p:cNvPicPr>
+          <p:nvPr/>
+        </p:nvPicPr>
+        <p:blipFill>
+          <a:blip r:embed="rId4"/>
+          <a:stretch>
+            <a:fillRect/>
+          </a:stretch>
+        </p:blipFill>
+        <p:spPr>
+          <a:xfrm>
+            <a:off x="3245684" y="6327643"/>
+            <a:ext cx="431278" cy="498929"/>
+          </a:xfrm>
+          <a:prstGeom prst="rect">
+            <a:avLst/>
+          </a:prstGeom>
+        </p:spPr>
+      </p:pic>
+      <p:sp>
+        <p:nvSpPr>
+          <p:cNvPr id="7" name="TextBox 6">
+            <a:extLst>
+              <a:ext uri="{FF2B5EF4-FFF2-40B4-BE49-F238E27FC236}">
+                <a16:creationId xmlns:a16="http://schemas.microsoft.com/office/drawing/2014/main" id="{CC860AE4-4527-4584-AB2E-D45C93D8C00A}"/>
+              </a:ext>
+            </a:extLst>
+          </p:cNvPr>
+          <p:cNvSpPr txBox="1"/>
+          <p:nvPr/>
+        </p:nvSpPr>
+        <p:spPr>
+          <a:xfrm>
+            <a:off x="4132184" y="6327098"/>
+            <a:ext cx="2719553" cy="400110"/>
+          </a:xfrm>
+          <a:prstGeom prst="rect">
+            <a:avLst/>
+          </a:prstGeom>
+          <a:noFill/>
+        </p:spPr>
+        <p:txBody>
+          <a:bodyPr wrap="square" rtlCol="0">
+            <a:spAutoFit/>
+          </a:bodyPr>
+          <a:lstStyle/>
+          <a:p>
+            <a:r>
+              <a:rPr lang="ru-RU" sz="1000" dirty="0">
+                <a:solidFill>
+                  <a:schemeClr val="bg1"/>
+                </a:solidFill>
+              </a:rPr>
+              <a:t>Имитационная модель поставок товаров для интернет-магазина </a:t>
+            </a:r>
+            <a:r>
+              <a:rPr lang="en-US" sz="1000" dirty="0">
+                <a:solidFill>
+                  <a:schemeClr val="bg1"/>
+                </a:solidFill>
+              </a:rPr>
+              <a:t>DYZ STORE</a:t>
+            </a:r>
+            <a:endParaRPr lang="ru-RU" sz="1000" dirty="0">
+              <a:solidFill>
+                <a:schemeClr val="bg1"/>
+              </a:solidFill>
+            </a:endParaRPr>
+          </a:p>
+        </p:txBody>
+      </p:sp>
+      <p:sp>
+        <p:nvSpPr>
+          <p:cNvPr id="8" name="TextBox 7">
+            <a:extLst>
+              <a:ext uri="{FF2B5EF4-FFF2-40B4-BE49-F238E27FC236}">
+                <a16:creationId xmlns:a16="http://schemas.microsoft.com/office/drawing/2014/main" id="{037D66A3-19BD-B441-A557-F0C1B46CC1AA}"/>
+              </a:ext>
+            </a:extLst>
+          </p:cNvPr>
+          <p:cNvSpPr txBox="1"/>
+          <p:nvPr/>
+        </p:nvSpPr>
+        <p:spPr>
+          <a:xfrm>
+            <a:off x="8691830" y="6394311"/>
+            <a:ext cx="2881516" cy="553998"/>
+          </a:xfrm>
+          <a:prstGeom prst="rect">
+            <a:avLst/>
+          </a:prstGeom>
+          <a:noFill/>
+        </p:spPr>
+        <p:txBody>
+          <a:bodyPr wrap="square" rtlCol="0">
+            <a:spAutoFit/>
+          </a:bodyPr>
+          <a:lstStyle/>
+          <a:p>
+            <a:r>
+              <a:rPr lang="ru-RU" sz="1000" dirty="0">
+                <a:solidFill>
+                  <a:schemeClr val="bg1"/>
+                </a:solidFill>
+                <a:latin typeface="Montserrat" pitchFamily="2" charset="0"/>
+              </a:rPr>
+              <a:t>Студенты: Кочергин А., Купаев К., Парасковей В., Зиненко И. УЭЦ-111</a:t>
+            </a:r>
+          </a:p>
+          <a:p>
+            <a:endParaRPr lang="ru-RU" sz="1000" dirty="0">
+              <a:solidFill>
+                <a:schemeClr val="bg1"/>
+              </a:solidFill>
+              <a:latin typeface="Montserrat" pitchFamily="2" charset="0"/>
+            </a:endParaRPr>
+          </a:p>
+        </p:txBody>
+      </p:sp>
+      <p:sp>
+        <p:nvSpPr>
+          <p:cNvPr id="9" name="TextBox 8">
+            <a:extLst>
+              <a:ext uri="{FF2B5EF4-FFF2-40B4-BE49-F238E27FC236}">
+                <a16:creationId xmlns:a16="http://schemas.microsoft.com/office/drawing/2014/main" id="{F641DCA7-359A-BD45-A1E7-D6E4494469EF}"/>
+              </a:ext>
+            </a:extLst>
+          </p:cNvPr>
+          <p:cNvSpPr txBox="1"/>
+          <p:nvPr/>
+        </p:nvSpPr>
+        <p:spPr>
+          <a:xfrm>
+            <a:off x="11573346" y="6380852"/>
+            <a:ext cx="465729" cy="400110"/>
+          </a:xfrm>
+          <a:prstGeom prst="rect">
+            <a:avLst/>
+          </a:prstGeom>
+          <a:noFill/>
+        </p:spPr>
+        <p:txBody>
+          <a:bodyPr wrap="square" rtlCol="0">
+            <a:spAutoFit/>
+          </a:bodyPr>
+          <a:lstStyle/>
+          <a:p>
+            <a:r>
+              <a:rPr lang="ru-RU" sz="2000" dirty="0" smtClean="0">
+                <a:solidFill>
+                  <a:schemeClr val="bg1"/>
+                </a:solidFill>
+                <a:latin typeface="Montserrat" pitchFamily="2" charset="0"/>
+              </a:rPr>
+              <a:t>11</a:t>
+            </a:r>
+            <a:endParaRPr lang="ru-RU" sz="2000" dirty="0">
+              <a:solidFill>
+                <a:schemeClr val="bg1"/>
+              </a:solidFill>
+              <a:latin typeface="Montserrat" pitchFamily="2" charset="0"/>
+            </a:endParaRPr>
+          </a:p>
+        </p:txBody>
+      </p:sp>
+    </p:spTree>
+    <p:extLst>
+      <p:ext uri="{BB962C8B-B14F-4D97-AF65-F5344CB8AC3E}">
+        <p14:creationId xmlns:p14="http://schemas.microsoft.com/office/powerpoint/2010/main" val="1668339095"/>
+      </p:ext>
+    </p:extLst>
+  </p:cSld>
+  <p:clrMapOvr>
+    <a:masterClrMapping/>
+  </p:clrMapOvr>
+  <p:timing>
+    <p:tnLst>
+      <p:par>
+        <p:cTn id="1" dur="indefinite" restart="never" nodeType="tmRoot"/>
+      </p:par>
+    </p:tnLst>
+  </p:timing>
+</p:sld>
+</file>
+
+<file path=ppt/slides/slide12.xml><?xml version="1.0" encoding="utf-8"?>
+<p:sld xmlns:a="http://schemas.openxmlformats.org/drawingml/2006/main" xmlns:r="http://schemas.openxmlformats.org/officeDocument/2006/relationships" xmlns:p="http://schemas.openxmlformats.org/presentationml/2006/main">
+  <p:cSld>
+    <p:spTree>
+      <p:nvGrpSpPr>
+        <p:cNvPr id="1" name=""/>
+        <p:cNvGrpSpPr/>
+        <p:nvPr/>
+      </p:nvGrpSpPr>
+      <p:grpSpPr>
+        <a:xfrm>
+          <a:off x="0" y="0"/>
+          <a:ext cx="0" cy="0"/>
+          <a:chOff x="0" y="0"/>
+          <a:chExt cx="0" cy="0"/>
+        </a:xfrm>
+      </p:grpSpPr>
+      <p:sp>
+        <p:nvSpPr>
+          <p:cNvPr id="2" name="Заголовок 1"/>
+          <p:cNvSpPr>
+            <a:spLocks noGrp="1"/>
+          </p:cNvSpPr>
+          <p:nvPr>
+            <p:ph type="title"/>
+          </p:nvPr>
+        </p:nvSpPr>
+        <p:spPr/>
+        <p:txBody>
+          <a:bodyPr/>
+          <a:lstStyle/>
+          <a:p>
+            <a:r>
+              <a:rPr lang="ru-RU" dirty="0" err="1" smtClean="0">
+                <a:solidFill>
+                  <a:schemeClr val="tx2">
+                    <a:lumMod val="60000"/>
+                    <a:lumOff val="40000"/>
+                  </a:schemeClr>
+                </a:solidFill>
+                <a:latin typeface="+mn-lt"/>
+              </a:rPr>
+              <a:t>Репозиторий</a:t>
+            </a:r>
+            <a:r>
+              <a:rPr lang="ru-RU" dirty="0" smtClean="0">
+                <a:solidFill>
+                  <a:schemeClr val="tx2">
+                    <a:lumMod val="60000"/>
+                    <a:lumOff val="40000"/>
+                  </a:schemeClr>
+                </a:solidFill>
+                <a:latin typeface="+mn-lt"/>
+              </a:rPr>
+              <a:t> проекта</a:t>
+            </a:r>
+            <a:endParaRPr lang="ru-RU" dirty="0">
+              <a:solidFill>
+                <a:schemeClr val="tx2">
+                  <a:lumMod val="60000"/>
+                  <a:lumOff val="40000"/>
+                </a:schemeClr>
+              </a:solidFill>
+              <a:latin typeface="+mn-lt"/>
+            </a:endParaRPr>
+          </a:p>
+        </p:txBody>
+      </p:sp>
+      <p:pic>
+        <p:nvPicPr>
+          <p:cNvPr id="2050" name="Picture 2" descr="https://www.seonews.ru/upload/iblock/a5b/a5bca6110d2c6c8f8e0ab44675750a7c.jpg"/>
+          <p:cNvPicPr>
+            <a:picLocks noGrp="1" noChangeAspect="1" noChangeArrowheads="1"/>
+          </p:cNvPicPr>
+          <p:nvPr>
+            <p:ph idx="1"/>
+          </p:nvPr>
+        </p:nvPicPr>
+        <p:blipFill>
+          <a:blip r:embed="rId2">
+            <a:extLst>
+              <a:ext uri="{28A0092B-C50C-407E-A947-70E740481C1C}">
+                <a14:useLocalDpi xmlns:a14="http://schemas.microsoft.com/office/drawing/2010/main" val="0"/>
+              </a:ext>
+            </a:extLst>
+          </a:blip>
+          <a:srcRect/>
+          <a:stretch>
+            <a:fillRect/>
+          </a:stretch>
+        </p:blipFill>
+        <p:spPr bwMode="auto">
+          <a:xfrm>
+            <a:off x="838200" y="1845945"/>
+            <a:ext cx="6399026" cy="4351338"/>
+          </a:xfrm>
+          <a:prstGeom prst="rect">
+            <a:avLst/>
+          </a:prstGeom>
+          <a:noFill/>
+          <a:extLst>
+            <a:ext uri="{909E8E84-426E-40DD-AFC4-6F175D3DCCD1}">
+              <a14:hiddenFill xmlns:a14="http://schemas.microsoft.com/office/drawing/2010/main">
+                <a:solidFill>
+                  <a:srgbClr val="FFFFFF"/>
+                </a:solidFill>
+              </a14:hiddenFill>
+            </a:ext>
+          </a:extLst>
+        </p:spPr>
+      </p:pic>
+      <p:sp>
+        <p:nvSpPr>
+          <p:cNvPr id="4" name="TextBox 3"/>
+          <p:cNvSpPr txBox="1"/>
+          <p:nvPr/>
+        </p:nvSpPr>
+        <p:spPr>
+          <a:xfrm>
+            <a:off x="7457440" y="1960880"/>
+            <a:ext cx="3995646" cy="369332"/>
+          </a:xfrm>
+          <a:prstGeom prst="rect">
+            <a:avLst/>
+          </a:prstGeom>
+          <a:noFill/>
+        </p:spPr>
+        <p:txBody>
+          <a:bodyPr wrap="none" rtlCol="0">
+            <a:spAutoFit/>
+          </a:bodyPr>
+          <a:lstStyle/>
+          <a:p>
+            <a:r>
+              <a:rPr lang="en-US" dirty="0">
+                <a:hlinkClick r:id="rId3"/>
+              </a:rPr>
+              <a:t>https://github.com/Exorser/DYZ-STORE</a:t>
+            </a:r>
+            <a:endParaRPr lang="ru-RU" dirty="0"/>
+          </a:p>
+        </p:txBody>
+      </p:sp>
+      <p:pic>
+        <p:nvPicPr>
+          <p:cNvPr id="6" name="Рисунок 5">
+            <a:extLst>
+              <a:ext uri="{FF2B5EF4-FFF2-40B4-BE49-F238E27FC236}">
+                <a16:creationId xmlns:a16="http://schemas.microsoft.com/office/drawing/2014/main" id="{6B3FEB3A-A114-B744-B67C-8AA2092DF75B}"/>
+              </a:ext>
+            </a:extLst>
+          </p:cNvPr>
+          <p:cNvPicPr>
+            <a:picLocks noChangeAspect="1"/>
+          </p:cNvPicPr>
+          <p:nvPr/>
+        </p:nvPicPr>
+        <p:blipFill>
+          <a:blip r:embed="rId4">
+            <a:extLst>
+              <a:ext uri="{28A0092B-C50C-407E-A947-70E740481C1C}">
+                <a14:useLocalDpi xmlns:a14="http://schemas.microsoft.com/office/drawing/2010/main" val="0"/>
+              </a:ext>
+            </a:extLst>
+          </a:blip>
+          <a:stretch>
+            <a:fillRect/>
+          </a:stretch>
+        </p:blipFill>
+        <p:spPr>
+          <a:xfrm>
+            <a:off x="231285" y="6362677"/>
+            <a:ext cx="1893079" cy="446879"/>
+          </a:xfrm>
+          <a:prstGeom prst="rect">
+            <a:avLst/>
+          </a:prstGeom>
+        </p:spPr>
+      </p:pic>
+      <p:pic>
+        <p:nvPicPr>
+          <p:cNvPr id="7" name="Объект 14">
+            <a:extLst>
+              <a:ext uri="{FF2B5EF4-FFF2-40B4-BE49-F238E27FC236}">
+                <a16:creationId xmlns:a16="http://schemas.microsoft.com/office/drawing/2014/main" id="{6A0F9757-E10D-2C49-9AA9-A77ADC4227AF}"/>
+              </a:ext>
+            </a:extLst>
+          </p:cNvPr>
+          <p:cNvPicPr>
+            <a:picLocks noChangeAspect="1"/>
+          </p:cNvPicPr>
+          <p:nvPr/>
+        </p:nvPicPr>
+        <p:blipFill>
+          <a:blip r:embed="rId5">
+            <a:extLst>
+              <a:ext uri="{28A0092B-C50C-407E-A947-70E740481C1C}">
+                <a14:useLocalDpi xmlns:a14="http://schemas.microsoft.com/office/drawing/2010/main" val="0"/>
+              </a:ext>
+            </a:extLst>
+          </a:blip>
+          <a:stretch>
+            <a:fillRect/>
+          </a:stretch>
+        </p:blipFill>
+        <p:spPr>
+          <a:xfrm>
+            <a:off x="2342176" y="6338773"/>
+            <a:ext cx="685696" cy="519227"/>
+          </a:xfrm>
+          <a:prstGeom prst="rect">
+            <a:avLst/>
+          </a:prstGeom>
+        </p:spPr>
+      </p:pic>
+      <p:pic>
+        <p:nvPicPr>
+          <p:cNvPr id="8" name="Рисунок 7">
+            <a:extLst>
+              <a:ext uri="{FF2B5EF4-FFF2-40B4-BE49-F238E27FC236}">
+                <a16:creationId xmlns:a16="http://schemas.microsoft.com/office/drawing/2014/main" id="{20D05A7F-6CC6-714D-BDB8-201A146F7E78}"/>
+              </a:ext>
+            </a:extLst>
+          </p:cNvPr>
+          <p:cNvPicPr>
+            <a:picLocks noChangeAspect="1"/>
+          </p:cNvPicPr>
+          <p:nvPr/>
+        </p:nvPicPr>
+        <p:blipFill>
+          <a:blip r:embed="rId6"/>
+          <a:stretch>
+            <a:fillRect/>
+          </a:stretch>
+        </p:blipFill>
+        <p:spPr>
+          <a:xfrm>
+            <a:off x="3245684" y="6327643"/>
+            <a:ext cx="431278" cy="498929"/>
+          </a:xfrm>
+          <a:prstGeom prst="rect">
+            <a:avLst/>
+          </a:prstGeom>
+        </p:spPr>
+      </p:pic>
+      <p:sp>
+        <p:nvSpPr>
+          <p:cNvPr id="9" name="TextBox 8">
+            <a:extLst>
+              <a:ext uri="{FF2B5EF4-FFF2-40B4-BE49-F238E27FC236}">
+                <a16:creationId xmlns:a16="http://schemas.microsoft.com/office/drawing/2014/main" id="{CC860AE4-4527-4584-AB2E-D45C93D8C00A}"/>
+              </a:ext>
+            </a:extLst>
+          </p:cNvPr>
+          <p:cNvSpPr txBox="1"/>
+          <p:nvPr/>
+        </p:nvSpPr>
+        <p:spPr>
+          <a:xfrm>
+            <a:off x="4132184" y="6327098"/>
+            <a:ext cx="2719553" cy="400110"/>
+          </a:xfrm>
+          <a:prstGeom prst="rect">
+            <a:avLst/>
+          </a:prstGeom>
+          <a:noFill/>
+        </p:spPr>
+        <p:txBody>
+          <a:bodyPr wrap="square" rtlCol="0">
+            <a:spAutoFit/>
+          </a:bodyPr>
+          <a:lstStyle/>
+          <a:p>
+            <a:r>
+              <a:rPr lang="ru-RU" sz="1000" dirty="0">
+                <a:solidFill>
+                  <a:schemeClr val="bg1"/>
+                </a:solidFill>
+              </a:rPr>
+              <a:t>Имитационная модель поставок товаров для интернет-магазина </a:t>
+            </a:r>
+            <a:r>
+              <a:rPr lang="en-US" sz="1000" dirty="0">
+                <a:solidFill>
+                  <a:schemeClr val="bg1"/>
+                </a:solidFill>
+              </a:rPr>
+              <a:t>DYZ STORE</a:t>
+            </a:r>
+            <a:endParaRPr lang="ru-RU" sz="1000" dirty="0">
+              <a:solidFill>
+                <a:schemeClr val="bg1"/>
+              </a:solidFill>
+            </a:endParaRPr>
+          </a:p>
+        </p:txBody>
+      </p:sp>
+      <p:sp>
+        <p:nvSpPr>
+          <p:cNvPr id="10" name="TextBox 9">
+            <a:extLst>
+              <a:ext uri="{FF2B5EF4-FFF2-40B4-BE49-F238E27FC236}">
+                <a16:creationId xmlns:a16="http://schemas.microsoft.com/office/drawing/2014/main" id="{037D66A3-19BD-B441-A557-F0C1B46CC1AA}"/>
+              </a:ext>
+            </a:extLst>
+          </p:cNvPr>
+          <p:cNvSpPr txBox="1"/>
+          <p:nvPr/>
+        </p:nvSpPr>
+        <p:spPr>
+          <a:xfrm>
+            <a:off x="8691830" y="6394311"/>
+            <a:ext cx="2881516" cy="553998"/>
+          </a:xfrm>
+          <a:prstGeom prst="rect">
+            <a:avLst/>
+          </a:prstGeom>
+          <a:noFill/>
+        </p:spPr>
+        <p:txBody>
+          <a:bodyPr wrap="square" rtlCol="0">
+            <a:spAutoFit/>
+          </a:bodyPr>
+          <a:lstStyle/>
+          <a:p>
+            <a:r>
+              <a:rPr lang="ru-RU" sz="1000" dirty="0">
+                <a:solidFill>
+                  <a:schemeClr val="bg1"/>
+                </a:solidFill>
+                <a:latin typeface="Montserrat" pitchFamily="2" charset="0"/>
+              </a:rPr>
+              <a:t>Студенты: Кочергин А., Купаев К., Парасковей В., Зиненко И. УЭЦ-111</a:t>
+            </a:r>
+          </a:p>
+          <a:p>
+            <a:endParaRPr lang="ru-RU" sz="1000" dirty="0">
+              <a:solidFill>
+                <a:schemeClr val="bg1"/>
+              </a:solidFill>
+              <a:latin typeface="Montserrat" pitchFamily="2" charset="0"/>
+            </a:endParaRPr>
+          </a:p>
+        </p:txBody>
+      </p:sp>
+      <p:sp>
+        <p:nvSpPr>
+          <p:cNvPr id="11" name="TextBox 10">
+            <a:extLst>
+              <a:ext uri="{FF2B5EF4-FFF2-40B4-BE49-F238E27FC236}">
+                <a16:creationId xmlns:a16="http://schemas.microsoft.com/office/drawing/2014/main" id="{F641DCA7-359A-BD45-A1E7-D6E4494469EF}"/>
+              </a:ext>
+            </a:extLst>
+          </p:cNvPr>
+          <p:cNvSpPr txBox="1"/>
+          <p:nvPr/>
+        </p:nvSpPr>
+        <p:spPr>
+          <a:xfrm>
+            <a:off x="11573346" y="6380852"/>
+            <a:ext cx="465729" cy="400110"/>
+          </a:xfrm>
+          <a:prstGeom prst="rect">
+            <a:avLst/>
+          </a:prstGeom>
+          <a:noFill/>
+        </p:spPr>
+        <p:txBody>
+          <a:bodyPr wrap="square" rtlCol="0">
+            <a:spAutoFit/>
+          </a:bodyPr>
+          <a:lstStyle/>
+          <a:p>
+            <a:r>
+              <a:rPr lang="ru-RU" sz="2000" dirty="0" smtClean="0">
+                <a:solidFill>
+                  <a:schemeClr val="bg1"/>
+                </a:solidFill>
+                <a:latin typeface="Montserrat" pitchFamily="2" charset="0"/>
+              </a:rPr>
+              <a:t>12</a:t>
+            </a:r>
+            <a:endParaRPr lang="ru-RU" sz="2000" dirty="0">
+              <a:solidFill>
+                <a:schemeClr val="bg1"/>
+              </a:solidFill>
+              <a:latin typeface="Montserrat" pitchFamily="2" charset="0"/>
+            </a:endParaRPr>
+          </a:p>
+        </p:txBody>
+      </p:sp>
+    </p:spTree>
+    <p:extLst>
+      <p:ext uri="{BB962C8B-B14F-4D97-AF65-F5344CB8AC3E}">
+        <p14:creationId xmlns:p14="http://schemas.microsoft.com/office/powerpoint/2010/main" val="44442263"/>
+      </p:ext>
+    </p:extLst>
+  </p:cSld>
+  <p:clrMapOvr>
+    <a:masterClrMapping/>
+  </p:clrMapOvr>
+  <p:timing>
+    <p:tnLst>
+      <p:par>
+        <p:cTn id="1" dur="indefinite" restart="never" nodeType="tmRoot"/>
+      </p:par>
+    </p:tnLst>
+  </p:timing>
+</p:sld>
+</file>
+
+<file path=ppt/slides/slide13.xml><?xml version="1.0" encoding="utf-8"?>
+<p:sld xmlns:a="http://schemas.openxmlformats.org/drawingml/2006/main" xmlns:r="http://schemas.openxmlformats.org/officeDocument/2006/relationships" xmlns:p="http://schemas.openxmlformats.org/presentationml/2006/main">
+  <p:cSld>
+    <p:spTree>
+      <p:nvGrpSpPr>
+        <p:cNvPr id="1" name=""/>
+        <p:cNvGrpSpPr/>
+        <p:nvPr/>
+      </p:nvGrpSpPr>
+      <p:grpSpPr>
+        <a:xfrm>
+          <a:off x="0" y="0"/>
+          <a:ext cx="0" cy="0"/>
+          <a:chOff x="0" y="0"/>
+          <a:chExt cx="0" cy="0"/>
+        </a:xfrm>
+      </p:grpSpPr>
+      <p:sp>
+        <p:nvSpPr>
+          <p:cNvPr id="2" name="Заголовок 1">
+            <a:extLst>
+              <a:ext uri="{FF2B5EF4-FFF2-40B4-BE49-F238E27FC236}">
+                <a16:creationId xmlns:a16="http://schemas.microsoft.com/office/drawing/2014/main" id="{7ECF2D89-AF2C-49BF-B136-2B370ED5054C}"/>
+              </a:ext>
+            </a:extLst>
+          </p:cNvPr>
+          <p:cNvSpPr>
+            <a:spLocks noGrp="1"/>
+          </p:cNvSpPr>
+          <p:nvPr>
+            <p:ph type="title"/>
+          </p:nvPr>
+        </p:nvSpPr>
         <p:spPr>
           <a:xfrm>
             <a:off x="484817" y="2862262"/>
@@ -5111,12 +6363,14 @@
           </a:xfrm>
         </p:spPr>
         <p:txBody>
-          <a:bodyPr/>
+          <a:bodyPr>
+            <a:normAutofit/>
+          </a:bodyPr>
           <a:lstStyle/>
           <a:p>
             <a:pPr algn="ctr"/>
             <a:r>
-              <a:rPr lang="ru-RU" dirty="0">
+              <a:rPr lang="ru-RU" sz="3200" dirty="0">
                 <a:solidFill>
                   <a:schemeClr val="accent1"/>
                 </a:solidFill>
@@ -5125,7 +6379,7 @@
               <a:t>Спасибо за </a:t>
             </a:r>
             <a:r>
-              <a:rPr lang="ru-RU" dirty="0" smtClean="0">
+              <a:rPr lang="ru-RU" sz="3200" dirty="0" smtClean="0">
                 <a:solidFill>
                   <a:schemeClr val="accent1"/>
                 </a:solidFill>
@@ -5133,7 +6387,7 @@
               </a:rPr>
               <a:t>внимание </a:t>
             </a:r>
-            <a:endParaRPr lang="ru-RU" dirty="0">
+            <a:endParaRPr lang="ru-RU" sz="3200" dirty="0">
               <a:solidFill>
                 <a:schemeClr val="accent1"/>
               </a:solidFill>
@@ -5372,8 +6626,14 @@
                 </a:solidFill>
                 <a:latin typeface="Montserrat" pitchFamily="2" charset="0"/>
               </a:rPr>
-              <a:t>4</a:t>
-            </a:r>
+              <a:t>2</a:t>
+            </a:r>
+            <a:endParaRPr lang="ru-RU" sz="2000" dirty="0">
+              <a:solidFill>
+                <a:schemeClr val="bg1"/>
+              </a:solidFill>
+              <a:latin typeface="Montserrat" pitchFamily="2" charset="0"/>
+            </a:endParaRPr>
           </a:p>
         </p:txBody>
       </p:sp>
@@ -5689,6 +6949,47 @@
           </a:p>
         </p:txBody>
       </p:sp>
+      <p:pic>
+        <p:nvPicPr>
+          <p:cNvPr id="5122" name="Picture 2" descr="https://vzlet.org/sites/vzlet.org/files/2019-08/1bc29e70b2048010d7e8.jpg"/>
+          <p:cNvPicPr>
+            <a:picLocks noChangeAspect="1" noChangeArrowheads="1"/>
+          </p:cNvPicPr>
+          <p:nvPr/>
+        </p:nvPicPr>
+        <p:blipFill>
+          <a:blip r:embed="rId6">
+            <a:extLst>
+              <a:ext uri="{28A0092B-C50C-407E-A947-70E740481C1C}">
+                <a14:useLocalDpi xmlns:a14="http://schemas.microsoft.com/office/drawing/2010/main" val="0"/>
+              </a:ext>
+            </a:extLst>
+          </a:blip>
+          <a:srcRect/>
+          <a:stretch>
+            <a:fillRect/>
+          </a:stretch>
+        </p:blipFill>
+        <p:spPr bwMode="auto">
+          <a:xfrm>
+            <a:off x="5717401" y="1966710"/>
+            <a:ext cx="5520665" cy="3674999"/>
+          </a:xfrm>
+          <a:prstGeom prst="rect">
+            <a:avLst/>
+          </a:prstGeom>
+          <a:noFill/>
+          <a:extLst>
+            <a:ext uri="{909E8E84-426E-40DD-AFC4-6F175D3DCCD1}">
+              <a14:hiddenFill xmlns:a14="http://schemas.microsoft.com/office/drawing/2010/main">
+                <a:solidFill>
+                  <a:srgbClr val="FFFFFF"/>
+                </a:solidFill>
+              </a14:hiddenFill>
+            </a:ext>
+          </a:extLst>
+        </p:spPr>
+      </p:pic>
     </p:spTree>
     <p:extLst>
       <p:ext uri="{BB962C8B-B14F-4D97-AF65-F5344CB8AC3E}">
@@ -6015,14 +7316,20 @@
           <a:lstStyle/>
           <a:p>
             <a:r>
-              <a:rPr lang="ru-RU" sz="2000" dirty="0">
+              <a:rPr lang="ru-RU" sz="2000" dirty="0" smtClean="0">
                 <a:solidFill>
                   <a:schemeClr val="bg1"/>
                 </a:solidFill>
                 <a:latin typeface="Montserrat" pitchFamily="2" charset="0"/>
               </a:rPr>
-              <a:t>2</a:t>
-            </a:r>
+              <a:t>3</a:t>
+            </a:r>
+            <a:endParaRPr lang="ru-RU" sz="2000" dirty="0">
+              <a:solidFill>
+                <a:schemeClr val="bg1"/>
+              </a:solidFill>
+              <a:latin typeface="Montserrat" pitchFamily="2" charset="0"/>
+            </a:endParaRPr>
           </a:p>
         </p:txBody>
       </p:sp>
@@ -6064,8 +7371,8 @@
         </p:nvSpPr>
         <p:spPr>
           <a:xfrm>
-            <a:off x="1057751" y="2482659"/>
-            <a:ext cx="8401605" cy="2031325"/>
+            <a:off x="996791" y="2069394"/>
+            <a:ext cx="8401605" cy="2862322"/>
           </a:xfrm>
           <a:prstGeom prst="rect">
             <a:avLst/>
@@ -6094,14 +7401,14 @@
               <a:t>Проблема: </a:t>
             </a:r>
             <a:r>
-              <a:rPr lang="ru-RU" sz="2000" dirty="0"/>
+              <a:rPr lang="ru-RU" sz="2400" dirty="0"/>
               <a:t>Компания-заказчик, при перспективе развития, нуждается также в развитии транспортно-логистической составляющей бизнеса. Нынешний способ транспортировки требует </a:t>
             </a:r>
             <a:r>
-              <a:rPr lang="ru-RU" sz="2000" dirty="0" smtClean="0"/>
+              <a:rPr lang="ru-RU" sz="2400" dirty="0" smtClean="0"/>
               <a:t>модернизации и систематизации. Проект направлен на удовлетворение этих требований.</a:t>
             </a:r>
-            <a:endParaRPr lang="ru-RU" sz="2400" dirty="0"/>
+            <a:endParaRPr lang="ru-RU" sz="2800" dirty="0"/>
           </a:p>
         </p:txBody>
       </p:sp>
@@ -6315,14 +7622,20 @@
           <a:lstStyle/>
           <a:p>
             <a:r>
-              <a:rPr lang="ru-RU" sz="2000" dirty="0">
+              <a:rPr lang="ru-RU" sz="2000" dirty="0" smtClean="0">
                 <a:solidFill>
                   <a:schemeClr val="bg1"/>
                 </a:solidFill>
                 <a:latin typeface="Montserrat" pitchFamily="2" charset="0"/>
               </a:rPr>
-              <a:t>3</a:t>
-            </a:r>
+              <a:t>4</a:t>
+            </a:r>
+            <a:endParaRPr lang="ru-RU" sz="2000" dirty="0">
+              <a:solidFill>
+                <a:schemeClr val="bg1"/>
+              </a:solidFill>
+              <a:latin typeface="Montserrat" pitchFamily="2" charset="0"/>
+            </a:endParaRPr>
           </a:p>
         </p:txBody>
       </p:sp>
@@ -6528,15 +7841,15 @@
               <a:buNone/>
             </a:pPr>
             <a:r>
-              <a:rPr lang="ru-RU" dirty="0"/>
+              <a:rPr lang="ru-RU" sz="2600" dirty="0"/>
               <a:t>Одним из ярких примеров можно выделить </a:t>
             </a:r>
             <a:r>
-              <a:rPr lang="en-US" dirty="0"/>
+              <a:rPr lang="en-US" sz="2600" dirty="0"/>
               <a:t>DHL</a:t>
             </a:r>
             <a:r>
-              <a:rPr lang="ru-RU" dirty="0"/>
+              <a:rPr lang="ru-RU" sz="2600" dirty="0"/>
               <a:t>, который распространяет свои действия как на территории </a:t>
             </a:r>
           </a:p>
@@ -6545,14 +7858,14 @@
               <a:buNone/>
             </a:pPr>
             <a:r>
-              <a:rPr lang="ru-RU" dirty="0"/>
+              <a:rPr lang="ru-RU" sz="2600" dirty="0"/>
               <a:t>России, так и за рубежом. Они доставляют посылки практически в любую точку мира и уделяют особое внимание своему сервису. </a:t>
             </a:r>
             <a:br>
-              <a:rPr lang="ru-RU" dirty="0"/>
+              <a:rPr lang="ru-RU" sz="2600" dirty="0"/>
             </a:br>
             <a:r>
-              <a:rPr lang="ru-RU" dirty="0"/>
+              <a:rPr lang="ru-RU" sz="2600" dirty="0"/>
               <a:t>Заказчику недостаточно этого аналога для решения проблемы, поскольку данная компания не способна своевременно доставить товар в указанный срок. </a:t>
             </a:r>
           </a:p>
@@ -7102,13 +8415,13 @@
           <a:lstStyle/>
           <a:p>
             <a:r>
-              <a:rPr lang="en-US" sz="2000" dirty="0">
+              <a:rPr lang="ru-RU" sz="2000" dirty="0" smtClean="0">
                 <a:solidFill>
                   <a:schemeClr val="bg1"/>
                 </a:solidFill>
                 <a:latin typeface="Montserrat" pitchFamily="2" charset="0"/>
               </a:rPr>
-              <a:t>7</a:t>
+              <a:t>6</a:t>
             </a:r>
             <a:endParaRPr lang="ru-RU" sz="2000" dirty="0">
               <a:solidFill>
@@ -7391,6 +8704,7 @@
                     <a:lumOff val="40000"/>
                   </a:schemeClr>
                 </a:solidFill>
+                <a:latin typeface="+mn-lt"/>
               </a:rPr>
               <a:t>Пользователи: Компания - заказчик</a:t>
             </a:r>
@@ -7401,6 +8715,7 @@
                   <a:lumOff val="40000"/>
                 </a:schemeClr>
               </a:solidFill>
+              <a:latin typeface="+mn-lt"/>
             </a:endParaRPr>
           </a:p>
         </p:txBody>
@@ -7420,7 +8735,7 @@
           <a:bodyPr/>
           <a:lstStyle/>
           <a:p>
-            <a:endParaRPr lang="ru-RU"/>
+            <a:endParaRPr lang="ru-RU" dirty="0"/>
           </a:p>
         </p:txBody>
       </p:sp>
@@ -7661,7 +8976,7 @@
                 </a:solidFill>
                 <a:latin typeface="Montserrat" pitchFamily="2" charset="0"/>
               </a:rPr>
-              <a:t>8</a:t>
+              <a:t>7</a:t>
             </a:r>
             <a:endParaRPr lang="ru-RU" sz="2000" dirty="0">
               <a:solidFill>
@@ -7725,8 +9040,21 @@
                     <a:lumOff val="40000"/>
                   </a:schemeClr>
                 </a:solidFill>
+                <a:latin typeface="+mn-lt"/>
               </a:rPr>
-              <a:t>Затраченные ресурсы</a:t>
+              <a:t>Результаты </a:t>
+            </a:r>
+            <a:r>
+              <a:rPr lang="ru-RU" dirty="0">
+                <a:solidFill>
+                  <a:schemeClr val="tx2">
+                    <a:lumMod val="60000"/>
+                    <a:lumOff val="40000"/>
+                  </a:schemeClr>
+                </a:solidFill>
+                <a:latin typeface="+mn-lt"/>
+              </a:rPr>
+              <a:t>приемки</a:t>
             </a:r>
             <a:endParaRPr lang="ru-RU" dirty="0">
               <a:solidFill>
@@ -7735,6 +9063,7 @@
                   <a:lumOff val="40000"/>
                 </a:schemeClr>
               </a:solidFill>
+              <a:latin typeface="+mn-lt"/>
             </a:endParaRPr>
           </a:p>
         </p:txBody>
@@ -7754,10 +9083,6 @@
           <a:bodyPr/>
           <a:lstStyle/>
           <a:p>
-            <a:r>
-              <a:rPr lang="ru-RU" dirty="0" smtClean="0"/>
-              <a:t>Для достижения поставленной цели и решения проблемы были затрачены усилия и время нашей команды.  </a:t>
-            </a:r>
             <a:endParaRPr lang="ru-RU" dirty="0"/>
           </a:p>
         </p:txBody>
@@ -7866,7 +9191,7 @@
       </p:pic>
       <p:sp>
         <p:nvSpPr>
-          <p:cNvPr id="8" name="TextBox 7">
+          <p:cNvPr id="7" name="TextBox 6">
             <a:extLst>
               <a:ext uri="{FF2B5EF4-FFF2-40B4-BE49-F238E27FC236}">
                 <a16:creationId xmlns:a16="http://schemas.microsoft.com/office/drawing/2014/main" id="{CC860AE4-4527-4584-AB2E-D45C93D8C00A}"/>
@@ -7918,7 +9243,7 @@
       </p:sp>
       <p:sp>
         <p:nvSpPr>
-          <p:cNvPr id="9" name="TextBox 8">
+          <p:cNvPr id="8" name="TextBox 7">
             <a:extLst>
               <a:ext uri="{FF2B5EF4-FFF2-40B4-BE49-F238E27FC236}">
                 <a16:creationId xmlns:a16="http://schemas.microsoft.com/office/drawing/2014/main" id="{037D66A3-19BD-B441-A557-F0C1B46CC1AA}"/>
@@ -7966,7 +9291,7 @@
       </p:sp>
       <p:sp>
         <p:nvSpPr>
-          <p:cNvPr id="10" name="TextBox 9">
+          <p:cNvPr id="9" name="TextBox 8">
             <a:extLst>
               <a:ext uri="{FF2B5EF4-FFF2-40B4-BE49-F238E27FC236}">
                 <a16:creationId xmlns:a16="http://schemas.microsoft.com/office/drawing/2014/main" id="{F641DCA7-359A-BD45-A1E7-D6E4494469EF}"/>
@@ -7999,7 +9324,7 @@
                 </a:solidFill>
                 <a:latin typeface="Montserrat" pitchFamily="2" charset="0"/>
               </a:rPr>
-              <a:t>9</a:t>
+              <a:t>8</a:t>
             </a:r>
             <a:endParaRPr lang="ru-RU" sz="2000" dirty="0">
               <a:solidFill>
@@ -8013,7 +9338,7 @@
     </p:spTree>
     <p:extLst>
       <p:ext uri="{BB962C8B-B14F-4D97-AF65-F5344CB8AC3E}">
-        <p14:creationId xmlns:p14="http://schemas.microsoft.com/office/powerpoint/2010/main" val="1067399520"/>
+        <p14:creationId xmlns:p14="http://schemas.microsoft.com/office/powerpoint/2010/main" val="2721790851"/>
       </p:ext>
     </p:extLst>
   </p:cSld>
@@ -8056,10 +9381,50 @@
           <a:lstStyle/>
           <a:p>
             <a:r>
-              <a:rPr lang="ru-RU" dirty="0" smtClean="0"/>
-              <a:t>Сроки выполнения</a:t>
-            </a:r>
-            <a:endParaRPr lang="ru-RU" dirty="0"/>
+              <a:rPr lang="ru-RU" dirty="0">
+                <a:solidFill>
+                  <a:schemeClr val="tx2">
+                    <a:lumMod val="60000"/>
+                    <a:lumOff val="40000"/>
+                  </a:schemeClr>
+                </a:solidFill>
+                <a:latin typeface="+mn-lt"/>
+              </a:rPr>
+              <a:t>И</a:t>
+            </a:r>
+            <a:r>
+              <a:rPr lang="ru-RU" dirty="0" smtClean="0">
+                <a:solidFill>
+                  <a:schemeClr val="tx2">
+                    <a:lumMod val="60000"/>
+                    <a:lumOff val="40000"/>
+                  </a:schemeClr>
+                </a:solidFill>
+                <a:latin typeface="+mn-lt"/>
+              </a:rPr>
+              <a:t>нформация </a:t>
+            </a:r>
+            <a:r>
+              <a:rPr lang="ru-RU" dirty="0">
+                <a:solidFill>
+                  <a:schemeClr val="tx2">
+                    <a:lumMod val="60000"/>
+                    <a:lumOff val="40000"/>
+                  </a:schemeClr>
+                </a:solidFill>
+                <a:latin typeface="+mn-lt"/>
+              </a:rPr>
+              <a:t>об эксплуатации</a:t>
+            </a:r>
+            <a:endParaRPr lang="ru-RU" dirty="0">
+              <a:solidFill>
+                <a:schemeClr val="tx2">
+                  <a:lumMod val="60000"/>
+                  <a:lumOff val="40000"/>
+                </a:schemeClr>
+              </a:solidFill>
+              <a:latin typeface="+mn-lt"/>
+            </a:endParaRPr>
           </a:p>
         </p:txBody>
       </p:sp>
@@ -8078,18 +9443,262 @@
           <a:bodyPr/>
           <a:lstStyle/>
           <a:p>
-            <a:r>
-              <a:rPr lang="ru-RU" dirty="0" smtClean="0"/>
-              <a:t>Поставленные задачи реализовались с 01.09.2022 по 20.12.2022</a:t>
-            </a:r>
-            <a:endParaRPr lang="ru-RU" dirty="0"/>
+            <a:endParaRPr lang="ru-RU"/>
+          </a:p>
+        </p:txBody>
+      </p:sp>
+      <p:sp>
+        <p:nvSpPr>
+          <p:cNvPr id="4" name="TextBox 3">
+            <a:extLst>
+              <a:ext uri="{FF2B5EF4-FFF2-40B4-BE49-F238E27FC236}">
+                <a16:creationId xmlns:a16="http://schemas.microsoft.com/office/drawing/2014/main" id="{F641DCA7-359A-BD45-A1E7-D6E4494469EF}"/>
+              </a:ext>
+            </a:extLst>
+          </p:cNvPr>
+          <p:cNvSpPr txBox="1"/>
+          <p:nvPr/>
+        </p:nvSpPr>
+        <p:spPr>
+          <a:xfrm>
+            <a:off x="11633634" y="6380852"/>
+            <a:ext cx="405441" cy="400110"/>
+          </a:xfrm>
+          <a:prstGeom prst="rect">
+            <a:avLst/>
+          </a:prstGeom>
+          <a:noFill/>
+        </p:spPr>
+        <p:txBody>
+          <a:bodyPr wrap="square" rtlCol="0">
+            <a:spAutoFit/>
+          </a:bodyPr>
+          <a:lstStyle/>
+          <a:p>
+            <a:r>
+              <a:rPr lang="ru-RU" sz="2000" dirty="0" smtClean="0">
+                <a:solidFill>
+                  <a:schemeClr val="bg1"/>
+                </a:solidFill>
+                <a:latin typeface="Montserrat" pitchFamily="2" charset="0"/>
+              </a:rPr>
+              <a:t>9</a:t>
+            </a:r>
+            <a:endParaRPr lang="ru-RU" sz="2000" dirty="0">
+              <a:solidFill>
+                <a:schemeClr val="bg1"/>
+              </a:solidFill>
+              <a:latin typeface="Montserrat" pitchFamily="2" charset="0"/>
+            </a:endParaRPr>
+          </a:p>
+        </p:txBody>
+      </p:sp>
+      <p:pic>
+        <p:nvPicPr>
+          <p:cNvPr id="5" name="Рисунок 4">
+            <a:extLst>
+              <a:ext uri="{FF2B5EF4-FFF2-40B4-BE49-F238E27FC236}">
+                <a16:creationId xmlns:a16="http://schemas.microsoft.com/office/drawing/2014/main" id="{6B3FEB3A-A114-B744-B67C-8AA2092DF75B}"/>
+              </a:ext>
+            </a:extLst>
+          </p:cNvPr>
+          <p:cNvPicPr>
+            <a:picLocks noChangeAspect="1"/>
+          </p:cNvPicPr>
+          <p:nvPr/>
+        </p:nvPicPr>
+        <p:blipFill>
+          <a:blip r:embed="rId2">
+            <a:extLst>
+              <a:ext uri="{28A0092B-C50C-407E-A947-70E740481C1C}">
+                <a14:useLocalDpi xmlns:a14="http://schemas.microsoft.com/office/drawing/2010/main" val="0"/>
+              </a:ext>
+            </a:extLst>
+          </a:blip>
+          <a:stretch>
+            <a:fillRect/>
+          </a:stretch>
+        </p:blipFill>
+        <p:spPr>
+          <a:xfrm>
+            <a:off x="231285" y="6362677"/>
+            <a:ext cx="1893079" cy="446879"/>
+          </a:xfrm>
+          <a:prstGeom prst="rect">
+            <a:avLst/>
+          </a:prstGeom>
+        </p:spPr>
+      </p:pic>
+      <p:pic>
+        <p:nvPicPr>
+          <p:cNvPr id="6" name="Объект 14">
+            <a:extLst>
+              <a:ext uri="{FF2B5EF4-FFF2-40B4-BE49-F238E27FC236}">
+                <a16:creationId xmlns:a16="http://schemas.microsoft.com/office/drawing/2014/main" id="{6A0F9757-E10D-2C49-9AA9-A77ADC4227AF}"/>
+              </a:ext>
+            </a:extLst>
+          </p:cNvPr>
+          <p:cNvPicPr>
+            <a:picLocks noChangeAspect="1"/>
+          </p:cNvPicPr>
+          <p:nvPr/>
+        </p:nvPicPr>
+        <p:blipFill>
+          <a:blip r:embed="rId3">
+            <a:extLst>
+              <a:ext uri="{28A0092B-C50C-407E-A947-70E740481C1C}">
+                <a14:useLocalDpi xmlns:a14="http://schemas.microsoft.com/office/drawing/2010/main" val="0"/>
+              </a:ext>
+            </a:extLst>
+          </a:blip>
+          <a:stretch>
+            <a:fillRect/>
+          </a:stretch>
+        </p:blipFill>
+        <p:spPr>
+          <a:xfrm>
+            <a:off x="2342176" y="6338773"/>
+            <a:ext cx="685696" cy="519227"/>
+          </a:xfrm>
+          <a:prstGeom prst="rect">
+            <a:avLst/>
+          </a:prstGeom>
+        </p:spPr>
+      </p:pic>
+      <p:pic>
+        <p:nvPicPr>
+          <p:cNvPr id="7" name="Рисунок 6">
+            <a:extLst>
+              <a:ext uri="{FF2B5EF4-FFF2-40B4-BE49-F238E27FC236}">
+                <a16:creationId xmlns:a16="http://schemas.microsoft.com/office/drawing/2014/main" id="{20D05A7F-6CC6-714D-BDB8-201A146F7E78}"/>
+              </a:ext>
+            </a:extLst>
+          </p:cNvPr>
+          <p:cNvPicPr>
+            <a:picLocks noChangeAspect="1"/>
+          </p:cNvPicPr>
+          <p:nvPr/>
+        </p:nvPicPr>
+        <p:blipFill>
+          <a:blip r:embed="rId4"/>
+          <a:stretch>
+            <a:fillRect/>
+          </a:stretch>
+        </p:blipFill>
+        <p:spPr>
+          <a:xfrm>
+            <a:off x="3245684" y="6327643"/>
+            <a:ext cx="431278" cy="498929"/>
+          </a:xfrm>
+          <a:prstGeom prst="rect">
+            <a:avLst/>
+          </a:prstGeom>
+        </p:spPr>
+      </p:pic>
+      <p:sp>
+        <p:nvSpPr>
+          <p:cNvPr id="8" name="TextBox 7">
+            <a:extLst>
+              <a:ext uri="{FF2B5EF4-FFF2-40B4-BE49-F238E27FC236}">
+                <a16:creationId xmlns:a16="http://schemas.microsoft.com/office/drawing/2014/main" id="{CC860AE4-4527-4584-AB2E-D45C93D8C00A}"/>
+              </a:ext>
+            </a:extLst>
+          </p:cNvPr>
+          <p:cNvSpPr txBox="1"/>
+          <p:nvPr/>
+        </p:nvSpPr>
+        <p:spPr>
+          <a:xfrm>
+            <a:off x="4182984" y="6362677"/>
+            <a:ext cx="2719553" cy="400110"/>
+          </a:xfrm>
+          <a:prstGeom prst="rect">
+            <a:avLst/>
+          </a:prstGeom>
+          <a:noFill/>
+        </p:spPr>
+        <p:txBody>
+          <a:bodyPr wrap="square" rtlCol="0">
+            <a:spAutoFit/>
+          </a:bodyPr>
+          <a:lstStyle/>
+          <a:p>
+            <a:r>
+              <a:rPr lang="ru-RU" sz="1000" dirty="0">
+                <a:solidFill>
+                  <a:schemeClr val="bg1"/>
+                </a:solidFill>
+              </a:rPr>
+              <a:t>Имитационная модель поставок товаров для интернет-магазина </a:t>
+            </a:r>
+            <a:r>
+              <a:rPr lang="en-US" sz="1000" dirty="0">
+                <a:solidFill>
+                  <a:schemeClr val="bg1"/>
+                </a:solidFill>
+              </a:rPr>
+              <a:t>DYZ STORE</a:t>
+            </a:r>
+            <a:endParaRPr lang="ru-RU" sz="1000" dirty="0">
+              <a:solidFill>
+                <a:schemeClr val="bg1"/>
+              </a:solidFill>
+            </a:endParaRPr>
+          </a:p>
+        </p:txBody>
+      </p:sp>
+      <p:sp>
+        <p:nvSpPr>
+          <p:cNvPr id="11" name="TextBox 10">
+            <a:extLst>
+              <a:ext uri="{FF2B5EF4-FFF2-40B4-BE49-F238E27FC236}">
+                <a16:creationId xmlns:a16="http://schemas.microsoft.com/office/drawing/2014/main" id="{037D66A3-19BD-B441-A557-F0C1B46CC1AA}"/>
+              </a:ext>
+            </a:extLst>
+          </p:cNvPr>
+          <p:cNvSpPr txBox="1"/>
+          <p:nvPr/>
+        </p:nvSpPr>
+        <p:spPr>
+          <a:xfrm>
+            <a:off x="8691830" y="6394311"/>
+            <a:ext cx="2881516" cy="553998"/>
+          </a:xfrm>
+          <a:prstGeom prst="rect">
+            <a:avLst/>
+          </a:prstGeom>
+          <a:noFill/>
+        </p:spPr>
+        <p:txBody>
+          <a:bodyPr wrap="square" rtlCol="0">
+            <a:spAutoFit/>
+          </a:bodyPr>
+          <a:lstStyle/>
+          <a:p>
+            <a:r>
+              <a:rPr lang="ru-RU" sz="1000" dirty="0">
+                <a:solidFill>
+                  <a:schemeClr val="bg1"/>
+                </a:solidFill>
+                <a:latin typeface="Montserrat" pitchFamily="2" charset="0"/>
+              </a:rPr>
+              <a:t>Студенты: Кочергин А., Купаев К., Парасковей В., Зиненко И. УЭЦ-111</a:t>
+            </a:r>
+          </a:p>
+          <a:p>
+            <a:endParaRPr lang="ru-RU" sz="1000" dirty="0">
+              <a:solidFill>
+                <a:schemeClr val="bg1"/>
+              </a:solidFill>
+              <a:latin typeface="Montserrat" pitchFamily="2" charset="0"/>
+            </a:endParaRPr>
           </a:p>
         </p:txBody>
       </p:sp>
     </p:spTree>
     <p:extLst>
       <p:ext uri="{BB962C8B-B14F-4D97-AF65-F5344CB8AC3E}">
-        <p14:creationId xmlns:p14="http://schemas.microsoft.com/office/powerpoint/2010/main" val="1668339095"/>
+        <p14:creationId xmlns:p14="http://schemas.microsoft.com/office/powerpoint/2010/main" val="3839944774"/>
       </p:ext>
     </p:extLst>
   </p:cSld>
